--- a/presentacion/presentacion_final/hopfield sase.pptx
+++ b/presentacion/presentacion_final/hopfield sase.pptx
@@ -213,7 +213,7 @@
           <a:p>
             <a:fld id="{57FADB38-FBF7-4553-9E48-A4D3F52113B9}" type="datetimeFigureOut">
               <a:rPr lang="en-US" smtClean="0"/>
-              <a:t>10/28/2021</a:t>
+              <a:t>10/29/2021</a:t>
             </a:fld>
             <a:endParaRPr lang="en-US" dirty="0"/>
           </a:p>
@@ -1115,7 +1115,7 @@
             <a:fld id="{94411A62-4676-4A50-A9F1-2D4DA559011B}" type="datetimeFigureOut">
               <a:rPr lang="en-US" smtClean="0"/>
               <a:pPr/>
-              <a:t>10/28/2021</a:t>
+              <a:t>10/29/2021</a:t>
             </a:fld>
             <a:endParaRPr lang="en-US" dirty="0"/>
           </a:p>
@@ -1285,7 +1285,7 @@
             <a:fld id="{94411A62-4676-4A50-A9F1-2D4DA559011B}" type="datetimeFigureOut">
               <a:rPr lang="en-US" smtClean="0"/>
               <a:pPr/>
-              <a:t>10/28/2021</a:t>
+              <a:t>10/29/2021</a:t>
             </a:fld>
             <a:endParaRPr lang="en-US" dirty="0"/>
           </a:p>
@@ -1465,7 +1465,7 @@
             <a:fld id="{94411A62-4676-4A50-A9F1-2D4DA559011B}" type="datetimeFigureOut">
               <a:rPr lang="en-US" smtClean="0"/>
               <a:pPr/>
-              <a:t>10/28/2021</a:t>
+              <a:t>10/29/2021</a:t>
             </a:fld>
             <a:endParaRPr lang="en-US" dirty="0"/>
           </a:p>
@@ -1635,7 +1635,7 @@
             <a:fld id="{94411A62-4676-4A50-A9F1-2D4DA559011B}" type="datetimeFigureOut">
               <a:rPr lang="en-US" smtClean="0"/>
               <a:pPr/>
-              <a:t>10/28/2021</a:t>
+              <a:t>10/29/2021</a:t>
             </a:fld>
             <a:endParaRPr lang="en-US" dirty="0"/>
           </a:p>
@@ -1882,7 +1882,7 @@
             <a:fld id="{94411A62-4676-4A50-A9F1-2D4DA559011B}" type="datetimeFigureOut">
               <a:rPr lang="en-US" smtClean="0"/>
               <a:pPr/>
-              <a:t>10/28/2021</a:t>
+              <a:t>10/29/2021</a:t>
             </a:fld>
             <a:endParaRPr lang="en-US" dirty="0"/>
           </a:p>
@@ -2113,7 +2113,7 @@
             <a:fld id="{94411A62-4676-4A50-A9F1-2D4DA559011B}" type="datetimeFigureOut">
               <a:rPr lang="en-US" smtClean="0"/>
               <a:pPr/>
-              <a:t>10/28/2021</a:t>
+              <a:t>10/29/2021</a:t>
             </a:fld>
             <a:endParaRPr lang="en-US" dirty="0"/>
           </a:p>
@@ -2479,7 +2479,7 @@
             <a:fld id="{94411A62-4676-4A50-A9F1-2D4DA559011B}" type="datetimeFigureOut">
               <a:rPr lang="en-US" smtClean="0"/>
               <a:pPr/>
-              <a:t>10/28/2021</a:t>
+              <a:t>10/29/2021</a:t>
             </a:fld>
             <a:endParaRPr lang="en-US" dirty="0"/>
           </a:p>
@@ -2598,7 +2598,7 @@
             <a:fld id="{94411A62-4676-4A50-A9F1-2D4DA559011B}" type="datetimeFigureOut">
               <a:rPr lang="en-US" smtClean="0"/>
               <a:pPr/>
-              <a:t>10/28/2021</a:t>
+              <a:t>10/29/2021</a:t>
             </a:fld>
             <a:endParaRPr lang="en-US" dirty="0"/>
           </a:p>
@@ -2695,7 +2695,7 @@
             <a:fld id="{94411A62-4676-4A50-A9F1-2D4DA559011B}" type="datetimeFigureOut">
               <a:rPr lang="en-US" smtClean="0"/>
               <a:pPr/>
-              <a:t>10/28/2021</a:t>
+              <a:t>10/29/2021</a:t>
             </a:fld>
             <a:endParaRPr lang="en-US" dirty="0"/>
           </a:p>
@@ -2972,7 +2972,7 @@
             <a:fld id="{94411A62-4676-4A50-A9F1-2D4DA559011B}" type="datetimeFigureOut">
               <a:rPr lang="en-US" smtClean="0"/>
               <a:pPr/>
-              <a:t>10/28/2021</a:t>
+              <a:t>10/29/2021</a:t>
             </a:fld>
             <a:endParaRPr lang="en-US" dirty="0"/>
           </a:p>
@@ -3226,7 +3226,7 @@
             <a:fld id="{94411A62-4676-4A50-A9F1-2D4DA559011B}" type="datetimeFigureOut">
               <a:rPr lang="en-US" smtClean="0"/>
               <a:pPr/>
-              <a:t>10/28/2021</a:t>
+              <a:t>10/29/2021</a:t>
             </a:fld>
             <a:endParaRPr lang="en-US" dirty="0"/>
           </a:p>
@@ -3439,7 +3439,7 @@
             <a:fld id="{94411A62-4676-4A50-A9F1-2D4DA559011B}" type="datetimeFigureOut">
               <a:rPr lang="en-US" smtClean="0"/>
               <a:pPr/>
-              <a:t>10/28/2021</a:t>
+              <a:t>10/29/2021</a:t>
             </a:fld>
             <a:endParaRPr lang="en-US" dirty="0"/>
           </a:p>
@@ -4125,40 +4125,6 @@
           </a:prstGeom>
         </p:spPr>
       </p:pic>
-      <p:sp>
-        <p:nvSpPr>
-          <p:cNvPr id="13" name="TextBox 12"/>
-          <p:cNvSpPr txBox="1"/>
-          <p:nvPr/>
-        </p:nvSpPr>
-        <p:spPr>
-          <a:xfrm>
-            <a:off x="0" y="6536891"/>
-            <a:ext cx="12258675" cy="323165"/>
-          </a:xfrm>
-          <a:prstGeom prst="rect">
-            <a:avLst/>
-          </a:prstGeom>
-          <a:noFill/>
-        </p:spPr>
-        <p:txBody>
-          <a:bodyPr wrap="square" rtlCol="0">
-            <a:spAutoFit/>
-          </a:bodyPr>
-          <a:lstStyle/>
-          <a:p>
-            <a:pPr algn="ctr"/>
-            <a:r>
-              <a:rPr lang="en-US" sz="1500" b="1" dirty="0">
-                <a:solidFill>
-                  <a:schemeClr val="bg1"/>
-                </a:solidFill>
-              </a:rPr>
-              <a:t>Trieste - Italy</a:t>
-            </a:r>
-          </a:p>
-        </p:txBody>
-      </p:sp>
       <p:pic>
         <p:nvPicPr>
           <p:cNvPr id="14" name="Picture 2" descr="Instituto de Investigaciones Científicas y Tecnológicas en Electrónica ( ICYTE) - CIC"/>
@@ -4408,40 +4374,6 @@
           </a:prstGeom>
         </p:spPr>
       </p:pic>
-      <p:sp>
-        <p:nvSpPr>
-          <p:cNvPr id="13" name="TextBox 12"/>
-          <p:cNvSpPr txBox="1"/>
-          <p:nvPr/>
-        </p:nvSpPr>
-        <p:spPr>
-          <a:xfrm>
-            <a:off x="0" y="6536891"/>
-            <a:ext cx="12258675" cy="323165"/>
-          </a:xfrm>
-          <a:prstGeom prst="rect">
-            <a:avLst/>
-          </a:prstGeom>
-          <a:noFill/>
-        </p:spPr>
-        <p:txBody>
-          <a:bodyPr wrap="square" rtlCol="0">
-            <a:spAutoFit/>
-          </a:bodyPr>
-          <a:lstStyle/>
-          <a:p>
-            <a:pPr algn="ctr"/>
-            <a:r>
-              <a:rPr lang="en-US" sz="1500" b="1" dirty="0">
-                <a:solidFill>
-                  <a:schemeClr val="bg1"/>
-                </a:solidFill>
-              </a:rPr>
-              <a:t>Trieste - Italy</a:t>
-            </a:r>
-          </a:p>
-        </p:txBody>
-      </p:sp>
       <p:pic>
         <p:nvPicPr>
           <p:cNvPr id="14" name="Picture 2" descr="Instituto de Investigaciones Científicas y Tecnológicas en Electrónica ( ICYTE) - CIC"/>
@@ -4674,40 +4606,6 @@
           </a:prstGeom>
         </p:spPr>
       </p:pic>
-      <p:sp>
-        <p:nvSpPr>
-          <p:cNvPr id="13" name="TextBox 12"/>
-          <p:cNvSpPr txBox="1"/>
-          <p:nvPr/>
-        </p:nvSpPr>
-        <p:spPr>
-          <a:xfrm>
-            <a:off x="0" y="6536891"/>
-            <a:ext cx="12258675" cy="323165"/>
-          </a:xfrm>
-          <a:prstGeom prst="rect">
-            <a:avLst/>
-          </a:prstGeom>
-          <a:noFill/>
-        </p:spPr>
-        <p:txBody>
-          <a:bodyPr wrap="square" rtlCol="0">
-            <a:spAutoFit/>
-          </a:bodyPr>
-          <a:lstStyle/>
-          <a:p>
-            <a:pPr algn="ctr"/>
-            <a:r>
-              <a:rPr lang="en-US" sz="1500" b="1" dirty="0">
-                <a:solidFill>
-                  <a:schemeClr val="bg1"/>
-                </a:solidFill>
-              </a:rPr>
-              <a:t>Trieste - Italy</a:t>
-            </a:r>
-          </a:p>
-        </p:txBody>
-      </p:sp>
       <p:pic>
         <p:nvPicPr>
           <p:cNvPr id="14" name="Picture 2" descr="Instituto de Investigaciones Científicas y Tecnológicas en Electrónica ( ICYTE) - CIC"/>
@@ -4923,40 +4821,6 @@
           </a:prstGeom>
         </p:spPr>
       </p:pic>
-      <p:sp>
-        <p:nvSpPr>
-          <p:cNvPr id="13" name="TextBox 12"/>
-          <p:cNvSpPr txBox="1"/>
-          <p:nvPr/>
-        </p:nvSpPr>
-        <p:spPr>
-          <a:xfrm>
-            <a:off x="0" y="6536891"/>
-            <a:ext cx="12258675" cy="323165"/>
-          </a:xfrm>
-          <a:prstGeom prst="rect">
-            <a:avLst/>
-          </a:prstGeom>
-          <a:noFill/>
-        </p:spPr>
-        <p:txBody>
-          <a:bodyPr wrap="square" rtlCol="0">
-            <a:spAutoFit/>
-          </a:bodyPr>
-          <a:lstStyle/>
-          <a:p>
-            <a:pPr algn="ctr"/>
-            <a:r>
-              <a:rPr lang="en-US" sz="1500" b="1" dirty="0">
-                <a:solidFill>
-                  <a:schemeClr val="bg1"/>
-                </a:solidFill>
-              </a:rPr>
-              <a:t>Trieste - Italy</a:t>
-            </a:r>
-          </a:p>
-        </p:txBody>
-      </p:sp>
       <p:pic>
         <p:nvPicPr>
           <p:cNvPr id="14" name="Picture 2" descr="Instituto de Investigaciones Científicas y Tecnológicas en Electrónica ( ICYTE) - CIC"/>
@@ -5148,40 +5012,6 @@
           </a:prstGeom>
         </p:spPr>
       </p:pic>
-      <p:sp>
-        <p:nvSpPr>
-          <p:cNvPr id="13" name="TextBox 12"/>
-          <p:cNvSpPr txBox="1"/>
-          <p:nvPr/>
-        </p:nvSpPr>
-        <p:spPr>
-          <a:xfrm>
-            <a:off x="0" y="6536891"/>
-            <a:ext cx="12258675" cy="323165"/>
-          </a:xfrm>
-          <a:prstGeom prst="rect">
-            <a:avLst/>
-          </a:prstGeom>
-          <a:noFill/>
-        </p:spPr>
-        <p:txBody>
-          <a:bodyPr wrap="square" rtlCol="0">
-            <a:spAutoFit/>
-          </a:bodyPr>
-          <a:lstStyle/>
-          <a:p>
-            <a:pPr algn="ctr"/>
-            <a:r>
-              <a:rPr lang="en-US" sz="1500" b="1" dirty="0">
-                <a:solidFill>
-                  <a:schemeClr val="bg1"/>
-                </a:solidFill>
-              </a:rPr>
-              <a:t>Trieste - Italy</a:t>
-            </a:r>
-          </a:p>
-        </p:txBody>
-      </p:sp>
       <p:pic>
         <p:nvPicPr>
           <p:cNvPr id="14" name="Picture 2" descr="Instituto de Investigaciones Científicas y Tecnológicas en Electrónica ( ICYTE) - CIC"/>
